--- a/New Microsoft PowerPoint Presentation.pptx
+++ b/New Microsoft PowerPoint Presentation.pptx
@@ -209,7 +209,7 @@
           <a:p>
             <a:fld id="{618F0D78-2619-4483-B1E0-ECA2DFE16D7E}" type="datetimeFigureOut">
               <a:rPr lang="en-IN" smtClean="0"/>
-              <a:t>21-02-2024</a:t>
+              <a:t>23-02-2024</a:t>
             </a:fld>
             <a:endParaRPr lang="en-IN"/>
           </a:p>
@@ -751,7 +751,7 @@
           <a:p>
             <a:fld id="{48C8D7F2-B06C-4BE2-B6C4-B821AFA64A62}" type="datetimeFigureOut">
               <a:rPr lang="en-IN" smtClean="0"/>
-              <a:t>20-02-2024</a:t>
+              <a:t>23-02-2024</a:t>
             </a:fld>
             <a:endParaRPr lang="en-IN"/>
           </a:p>
@@ -1026,7 +1026,7 @@
           <a:p>
             <a:fld id="{48C8D7F2-B06C-4BE2-B6C4-B821AFA64A62}" type="datetimeFigureOut">
               <a:rPr lang="en-IN" smtClean="0"/>
-              <a:t>20-02-2024</a:t>
+              <a:t>23-02-2024</a:t>
             </a:fld>
             <a:endParaRPr lang="en-IN"/>
           </a:p>
@@ -1220,7 +1220,7 @@
           <a:p>
             <a:fld id="{48C8D7F2-B06C-4BE2-B6C4-B821AFA64A62}" type="datetimeFigureOut">
               <a:rPr lang="en-IN" smtClean="0"/>
-              <a:t>20-02-2024</a:t>
+              <a:t>23-02-2024</a:t>
             </a:fld>
             <a:endParaRPr lang="en-IN"/>
           </a:p>
@@ -1491,7 +1491,7 @@
           <a:p>
             <a:fld id="{48C8D7F2-B06C-4BE2-B6C4-B821AFA64A62}" type="datetimeFigureOut">
               <a:rPr lang="en-IN" smtClean="0"/>
-              <a:t>20-02-2024</a:t>
+              <a:t>23-02-2024</a:t>
             </a:fld>
             <a:endParaRPr lang="en-IN"/>
           </a:p>
@@ -1818,7 +1818,7 @@
           <a:p>
             <a:fld id="{48C8D7F2-B06C-4BE2-B6C4-B821AFA64A62}" type="datetimeFigureOut">
               <a:rPr lang="en-IN" smtClean="0"/>
-              <a:t>20-02-2024</a:t>
+              <a:t>23-02-2024</a:t>
             </a:fld>
             <a:endParaRPr lang="en-IN"/>
           </a:p>
@@ -2437,7 +2437,7 @@
           <a:p>
             <a:fld id="{48C8D7F2-B06C-4BE2-B6C4-B821AFA64A62}" type="datetimeFigureOut">
               <a:rPr lang="en-IN" smtClean="0"/>
-              <a:t>20-02-2024</a:t>
+              <a:t>23-02-2024</a:t>
             </a:fld>
             <a:endParaRPr lang="en-IN"/>
           </a:p>
@@ -3284,7 +3284,7 @@
           <a:p>
             <a:fld id="{48C8D7F2-B06C-4BE2-B6C4-B821AFA64A62}" type="datetimeFigureOut">
               <a:rPr lang="en-IN" smtClean="0"/>
-              <a:t>20-02-2024</a:t>
+              <a:t>23-02-2024</a:t>
             </a:fld>
             <a:endParaRPr lang="en-IN"/>
           </a:p>
@@ -3454,7 +3454,7 @@
           <a:p>
             <a:fld id="{48C8D7F2-B06C-4BE2-B6C4-B821AFA64A62}" type="datetimeFigureOut">
               <a:rPr lang="en-IN" smtClean="0"/>
-              <a:t>20-02-2024</a:t>
+              <a:t>23-02-2024</a:t>
             </a:fld>
             <a:endParaRPr lang="en-IN"/>
           </a:p>
@@ -3634,7 +3634,7 @@
           <a:p>
             <a:fld id="{48C8D7F2-B06C-4BE2-B6C4-B821AFA64A62}" type="datetimeFigureOut">
               <a:rPr lang="en-IN" smtClean="0"/>
-              <a:t>20-02-2024</a:t>
+              <a:t>23-02-2024</a:t>
             </a:fld>
             <a:endParaRPr lang="en-IN"/>
           </a:p>
@@ -3804,7 +3804,7 @@
           <a:p>
             <a:fld id="{48C8D7F2-B06C-4BE2-B6C4-B821AFA64A62}" type="datetimeFigureOut">
               <a:rPr lang="en-IN" smtClean="0"/>
-              <a:t>20-02-2024</a:t>
+              <a:t>23-02-2024</a:t>
             </a:fld>
             <a:endParaRPr lang="en-IN"/>
           </a:p>
@@ -4051,7 +4051,7 @@
           <a:p>
             <a:fld id="{48C8D7F2-B06C-4BE2-B6C4-B821AFA64A62}" type="datetimeFigureOut">
               <a:rPr lang="en-IN" smtClean="0"/>
-              <a:t>20-02-2024</a:t>
+              <a:t>23-02-2024</a:t>
             </a:fld>
             <a:endParaRPr lang="en-IN"/>
           </a:p>
@@ -4343,7 +4343,7 @@
           <a:p>
             <a:fld id="{48C8D7F2-B06C-4BE2-B6C4-B821AFA64A62}" type="datetimeFigureOut">
               <a:rPr lang="en-IN" smtClean="0"/>
-              <a:t>20-02-2024</a:t>
+              <a:t>23-02-2024</a:t>
             </a:fld>
             <a:endParaRPr lang="en-IN"/>
           </a:p>
@@ -4787,7 +4787,7 @@
           <a:p>
             <a:fld id="{48C8D7F2-B06C-4BE2-B6C4-B821AFA64A62}" type="datetimeFigureOut">
               <a:rPr lang="en-IN" smtClean="0"/>
-              <a:t>20-02-2024</a:t>
+              <a:t>23-02-2024</a:t>
             </a:fld>
             <a:endParaRPr lang="en-IN"/>
           </a:p>
@@ -4905,7 +4905,7 @@
           <a:p>
             <a:fld id="{48C8D7F2-B06C-4BE2-B6C4-B821AFA64A62}" type="datetimeFigureOut">
               <a:rPr lang="en-IN" smtClean="0"/>
-              <a:t>20-02-2024</a:t>
+              <a:t>23-02-2024</a:t>
             </a:fld>
             <a:endParaRPr lang="en-IN"/>
           </a:p>
@@ -5000,7 +5000,7 @@
           <a:p>
             <a:fld id="{48C8D7F2-B06C-4BE2-B6C4-B821AFA64A62}" type="datetimeFigureOut">
               <a:rPr lang="en-IN" smtClean="0"/>
-              <a:t>20-02-2024</a:t>
+              <a:t>23-02-2024</a:t>
             </a:fld>
             <a:endParaRPr lang="en-IN"/>
           </a:p>
@@ -5279,7 +5279,7 @@
           <a:p>
             <a:fld id="{48C8D7F2-B06C-4BE2-B6C4-B821AFA64A62}" type="datetimeFigureOut">
               <a:rPr lang="en-IN" smtClean="0"/>
-              <a:t>20-02-2024</a:t>
+              <a:t>23-02-2024</a:t>
             </a:fld>
             <a:endParaRPr lang="en-IN"/>
           </a:p>
@@ -5554,7 +5554,7 @@
           <a:p>
             <a:fld id="{48C8D7F2-B06C-4BE2-B6C4-B821AFA64A62}" type="datetimeFigureOut">
               <a:rPr lang="en-IN" smtClean="0"/>
-              <a:t>20-02-2024</a:t>
+              <a:t>23-02-2024</a:t>
             </a:fld>
             <a:endParaRPr lang="en-IN"/>
           </a:p>
@@ -5977,7 +5977,7 @@
           <a:p>
             <a:fld id="{48C8D7F2-B06C-4BE2-B6C4-B821AFA64A62}" type="datetimeFigureOut">
               <a:rPr lang="en-IN" smtClean="0"/>
-              <a:t>20-02-2024</a:t>
+              <a:t>23-02-2024</a:t>
             </a:fld>
             <a:endParaRPr lang="en-IN"/>
           </a:p>
@@ -6605,7 +6605,7 @@
           <p:cNvPr id="12" name="Picture 5" descr="Graphical user interface, calendar&#10;&#10;Description automatically generated">
             <a:extLst>
               <a:ext uri="{FF2B5EF4-FFF2-40B4-BE49-F238E27FC236}">
-                <a16:creationId xmlns="" xmlns:a16="http://schemas.microsoft.com/office/drawing/2014/main" id="{BB389787-1A5F-9EEC-ED6F-89D20034573C}"/>
+                <a16:creationId xmlns:a16="http://schemas.microsoft.com/office/drawing/2014/main" xmlns="" id="{BB389787-1A5F-9EEC-ED6F-89D20034573C}"/>
               </a:ext>
             </a:extLst>
           </p:cNvPr>
@@ -6735,13 +6735,13 @@
   <p:clrMapOvr>
     <a:masterClrMapping/>
   </p:clrMapOvr>
-  <mc:AlternateContent xmlns:mc="http://schemas.openxmlformats.org/markup-compatibility/2006">
-    <mc:Choice xmlns:p14="http://schemas.microsoft.com/office/powerpoint/2010/main" Requires="p14">
+  <mc:AlternateContent xmlns:mc="http://schemas.openxmlformats.org/markup-compatibility/2006" xmlns:p14="http://schemas.microsoft.com/office/powerpoint/2010/main">
+    <mc:Choice Requires="p14">
       <p:transition spd="slow" p14:dur="4000">
         <p14:vortex dir="r"/>
       </p:transition>
     </mc:Choice>
-    <mc:Fallback>
+    <mc:Fallback xmlns="">
       <p:transition spd="slow">
         <p:fade/>
       </p:transition>
@@ -7107,12 +7107,17 @@
             <p:ph idx="1"/>
           </p:nvPr>
         </p:nvSpPr>
-        <p:spPr/>
+        <p:spPr>
+          <a:xfrm>
+            <a:off x="1103312" y="1853248"/>
+            <a:ext cx="8946541" cy="4395151"/>
+          </a:xfrm>
+        </p:spPr>
         <p:txBody>
           <a:bodyPr/>
           <a:lstStyle/>
           <a:p>
-            <a:endParaRPr lang="en-IN"/>
+            <a:endParaRPr lang="en-IN" dirty="0"/>
           </a:p>
         </p:txBody>
       </p:sp>
@@ -7163,7 +7168,12 @@
             <p:ph type="title"/>
           </p:nvPr>
         </p:nvSpPr>
-        <p:spPr/>
+        <p:spPr>
+          <a:xfrm>
+            <a:off x="0" y="111524"/>
+            <a:ext cx="9404723" cy="1400530"/>
+          </a:xfrm>
+        </p:spPr>
         <p:txBody>
           <a:bodyPr/>
           <a:lstStyle/>
@@ -7182,20 +7192,335 @@
       </p:sp>
       <p:sp>
         <p:nvSpPr>
-          <p:cNvPr id="3" name="Content Placeholder 2"/>
-          <p:cNvSpPr>
-            <a:spLocks noGrp="1"/>
+          <p:cNvPr id="4" name="Content Placeholder 7"/>
+          <p:cNvSpPr txBox="1">
+            <a:spLocks/>
           </p:cNvSpPr>
-          <p:nvPr>
-            <p:ph idx="1"/>
-          </p:nvPr>
+          <p:nvPr/>
         </p:nvSpPr>
-        <p:spPr/>
+        <p:spPr>
+          <a:xfrm>
+            <a:off x="642718" y="1512054"/>
+            <a:ext cx="8762005" cy="4905540"/>
+          </a:xfrm>
+          <a:prstGeom prst="rect">
+            <a:avLst/>
+          </a:prstGeom>
+        </p:spPr>
         <p:txBody>
-          <a:bodyPr/>
-          <a:lstStyle/>
-          <a:p>
-            <a:endParaRPr lang="en-IN"/>
+          <a:bodyPr>
+            <a:normAutofit/>
+          </a:bodyPr>
+          <a:lstStyle>
+            <a:lvl1pPr marL="342900" indent="-342900" algn="l" defTabSz="457200" rtl="0" eaLnBrk="1" latinLnBrk="0" hangingPunct="1">
+              <a:spcBef>
+                <a:spcPts val="1000"/>
+              </a:spcBef>
+              <a:spcAft>
+                <a:spcPts val="0"/>
+              </a:spcAft>
+              <a:buClr>
+                <a:schemeClr val="accent1">
+                  <a:lumMod val="60000"/>
+                  <a:lumOff val="40000"/>
+                </a:schemeClr>
+              </a:buClr>
+              <a:buSzPct val="80000"/>
+              <a:buFont typeface="Wingdings 3" charset="2"/>
+              <a:buChar char=""/>
+              <a:defRPr sz="2000" b="0" i="0" kern="1200">
+                <a:solidFill>
+                  <a:schemeClr val="tx1"/>
+                </a:solidFill>
+                <a:latin typeface="+mj-lt"/>
+                <a:ea typeface="+mj-ea"/>
+                <a:cs typeface="+mj-cs"/>
+              </a:defRPr>
+            </a:lvl1pPr>
+            <a:lvl2pPr marL="742950" indent="-285750" algn="l" defTabSz="457200" rtl="0" eaLnBrk="1" latinLnBrk="0" hangingPunct="1">
+              <a:spcBef>
+                <a:spcPts val="1000"/>
+              </a:spcBef>
+              <a:spcAft>
+                <a:spcPts val="0"/>
+              </a:spcAft>
+              <a:buClr>
+                <a:schemeClr val="accent1">
+                  <a:lumMod val="60000"/>
+                  <a:lumOff val="40000"/>
+                </a:schemeClr>
+              </a:buClr>
+              <a:buSzPct val="80000"/>
+              <a:buFont typeface="Wingdings 3" charset="2"/>
+              <a:buChar char=""/>
+              <a:defRPr sz="1800" b="0" i="0" kern="1200">
+                <a:solidFill>
+                  <a:schemeClr val="tx1"/>
+                </a:solidFill>
+                <a:latin typeface="+mj-lt"/>
+                <a:ea typeface="+mj-ea"/>
+                <a:cs typeface="+mj-cs"/>
+              </a:defRPr>
+            </a:lvl2pPr>
+            <a:lvl3pPr marL="1143000" indent="-228600" algn="l" defTabSz="457200" rtl="0" eaLnBrk="1" latinLnBrk="0" hangingPunct="1">
+              <a:spcBef>
+                <a:spcPts val="1000"/>
+              </a:spcBef>
+              <a:spcAft>
+                <a:spcPts val="0"/>
+              </a:spcAft>
+              <a:buClr>
+                <a:schemeClr val="accent1">
+                  <a:lumMod val="60000"/>
+                  <a:lumOff val="40000"/>
+                </a:schemeClr>
+              </a:buClr>
+              <a:buSzPct val="80000"/>
+              <a:buFont typeface="Wingdings 3" charset="2"/>
+              <a:buChar char=""/>
+              <a:defRPr sz="1600" b="0" i="0" kern="1200">
+                <a:solidFill>
+                  <a:schemeClr val="tx1"/>
+                </a:solidFill>
+                <a:latin typeface="+mj-lt"/>
+                <a:ea typeface="+mj-ea"/>
+                <a:cs typeface="+mj-cs"/>
+              </a:defRPr>
+            </a:lvl3pPr>
+            <a:lvl4pPr marL="1600200" indent="-228600" algn="l" defTabSz="457200" rtl="0" eaLnBrk="1" latinLnBrk="0" hangingPunct="1">
+              <a:spcBef>
+                <a:spcPts val="1000"/>
+              </a:spcBef>
+              <a:spcAft>
+                <a:spcPts val="0"/>
+              </a:spcAft>
+              <a:buClr>
+                <a:schemeClr val="accent1">
+                  <a:lumMod val="60000"/>
+                  <a:lumOff val="40000"/>
+                </a:schemeClr>
+              </a:buClr>
+              <a:buSzPct val="80000"/>
+              <a:buFont typeface="Wingdings 3" charset="2"/>
+              <a:buChar char=""/>
+              <a:defRPr sz="1400" b="0" i="0" kern="1200">
+                <a:solidFill>
+                  <a:schemeClr val="tx1"/>
+                </a:solidFill>
+                <a:latin typeface="+mj-lt"/>
+                <a:ea typeface="+mj-ea"/>
+                <a:cs typeface="+mj-cs"/>
+              </a:defRPr>
+            </a:lvl4pPr>
+            <a:lvl5pPr marL="2057400" indent="-228600" algn="l" defTabSz="457200" rtl="0" eaLnBrk="1" latinLnBrk="0" hangingPunct="1">
+              <a:spcBef>
+                <a:spcPts val="1000"/>
+              </a:spcBef>
+              <a:spcAft>
+                <a:spcPts val="0"/>
+              </a:spcAft>
+              <a:buClr>
+                <a:schemeClr val="accent1">
+                  <a:lumMod val="60000"/>
+                  <a:lumOff val="40000"/>
+                </a:schemeClr>
+              </a:buClr>
+              <a:buSzPct val="80000"/>
+              <a:buFont typeface="Wingdings 3" charset="2"/>
+              <a:buChar char=""/>
+              <a:defRPr sz="1400" b="0" i="0" kern="1200">
+                <a:solidFill>
+                  <a:schemeClr val="tx1"/>
+                </a:solidFill>
+                <a:latin typeface="+mj-lt"/>
+                <a:ea typeface="+mj-ea"/>
+                <a:cs typeface="+mj-cs"/>
+              </a:defRPr>
+            </a:lvl5pPr>
+            <a:lvl6pPr marL="2514600" indent="-228600" algn="l" defTabSz="457200" rtl="0" eaLnBrk="1" latinLnBrk="0" hangingPunct="1">
+              <a:spcBef>
+                <a:spcPts val="1000"/>
+              </a:spcBef>
+              <a:spcAft>
+                <a:spcPts val="0"/>
+              </a:spcAft>
+              <a:buClr>
+                <a:schemeClr val="accent1">
+                  <a:lumMod val="60000"/>
+                  <a:lumOff val="40000"/>
+                </a:schemeClr>
+              </a:buClr>
+              <a:buSzPct val="80000"/>
+              <a:buFont typeface="Wingdings 3" charset="2"/>
+              <a:buChar char=""/>
+              <a:defRPr sz="1400" b="0" i="0" kern="1200">
+                <a:solidFill>
+                  <a:schemeClr val="tx1"/>
+                </a:solidFill>
+                <a:latin typeface="+mj-lt"/>
+                <a:ea typeface="+mj-ea"/>
+                <a:cs typeface="+mj-cs"/>
+              </a:defRPr>
+            </a:lvl6pPr>
+            <a:lvl7pPr marL="2971800" indent="-228600" algn="l" defTabSz="457200" rtl="0" eaLnBrk="1" latinLnBrk="0" hangingPunct="1">
+              <a:spcBef>
+                <a:spcPts val="1000"/>
+              </a:spcBef>
+              <a:spcAft>
+                <a:spcPts val="0"/>
+              </a:spcAft>
+              <a:buClr>
+                <a:schemeClr val="accent1">
+                  <a:lumMod val="60000"/>
+                  <a:lumOff val="40000"/>
+                </a:schemeClr>
+              </a:buClr>
+              <a:buSzPct val="80000"/>
+              <a:buFont typeface="Wingdings 3" charset="2"/>
+              <a:buChar char=""/>
+              <a:defRPr sz="1400" b="0" i="0" kern="1200">
+                <a:solidFill>
+                  <a:schemeClr val="tx1"/>
+                </a:solidFill>
+                <a:latin typeface="+mj-lt"/>
+                <a:ea typeface="+mj-ea"/>
+                <a:cs typeface="+mj-cs"/>
+              </a:defRPr>
+            </a:lvl7pPr>
+            <a:lvl8pPr marL="3429000" indent="-228600" algn="l" defTabSz="457200" rtl="0" eaLnBrk="1" latinLnBrk="0" hangingPunct="1">
+              <a:spcBef>
+                <a:spcPts val="1000"/>
+              </a:spcBef>
+              <a:spcAft>
+                <a:spcPts val="0"/>
+              </a:spcAft>
+              <a:buClr>
+                <a:schemeClr val="accent1">
+                  <a:lumMod val="60000"/>
+                  <a:lumOff val="40000"/>
+                </a:schemeClr>
+              </a:buClr>
+              <a:buSzPct val="80000"/>
+              <a:buFont typeface="Wingdings 3" charset="2"/>
+              <a:buChar char=""/>
+              <a:defRPr sz="1400" b="0" i="0" kern="1200">
+                <a:solidFill>
+                  <a:schemeClr val="tx1"/>
+                </a:solidFill>
+                <a:latin typeface="+mj-lt"/>
+                <a:ea typeface="+mj-ea"/>
+                <a:cs typeface="+mj-cs"/>
+              </a:defRPr>
+            </a:lvl8pPr>
+            <a:lvl9pPr marL="3886200" indent="-228600" algn="l" defTabSz="457200" rtl="0" eaLnBrk="1" latinLnBrk="0" hangingPunct="1">
+              <a:spcBef>
+                <a:spcPts val="1000"/>
+              </a:spcBef>
+              <a:spcAft>
+                <a:spcPts val="0"/>
+              </a:spcAft>
+              <a:buClr>
+                <a:schemeClr val="accent1">
+                  <a:lumMod val="60000"/>
+                  <a:lumOff val="40000"/>
+                </a:schemeClr>
+              </a:buClr>
+              <a:buSzPct val="80000"/>
+              <a:buFont typeface="Wingdings 3" charset="2"/>
+              <a:buChar char=""/>
+              <a:defRPr sz="1400" b="0" i="0" kern="1200">
+                <a:solidFill>
+                  <a:schemeClr val="tx1"/>
+                </a:solidFill>
+                <a:latin typeface="+mj-lt"/>
+                <a:ea typeface="+mj-ea"/>
+                <a:cs typeface="+mj-cs"/>
+              </a:defRPr>
+            </a:lvl9pPr>
+          </a:lstStyle>
+          <a:p>
+            <a:pPr algn="just" fontAlgn="base">
+              <a:buClr>
+                <a:schemeClr val="bg1"/>
+              </a:buClr>
+              <a:buFont typeface="Wingdings" panose="05000000000000000000" pitchFamily="2" charset="2"/>
+              <a:buChar char="Ø"/>
+            </a:pPr>
+            <a:r>
+              <a:rPr lang="en-US" b="1" dirty="0" smtClean="0"/>
+              <a:t>To provide a user friendly environment where user can be serviced better.  </a:t>
+            </a:r>
+            <a:endParaRPr lang="en-IN" b="1" dirty="0" smtClean="0"/>
+          </a:p>
+          <a:p>
+            <a:pPr algn="just" fontAlgn="base">
+              <a:buClr>
+                <a:schemeClr val="bg1"/>
+              </a:buClr>
+              <a:buFont typeface="Wingdings" panose="05000000000000000000" pitchFamily="2" charset="2"/>
+              <a:buChar char="Ø"/>
+            </a:pPr>
+            <a:r>
+              <a:rPr lang="en-US" b="1" dirty="0" smtClean="0"/>
+              <a:t>Make functioning of shop faster.  </a:t>
+            </a:r>
+            <a:endParaRPr lang="en-IN" b="1" dirty="0" smtClean="0"/>
+          </a:p>
+          <a:p>
+            <a:pPr algn="just" fontAlgn="base">
+              <a:buClr>
+                <a:schemeClr val="bg1"/>
+              </a:buClr>
+              <a:buFont typeface="Wingdings" panose="05000000000000000000" pitchFamily="2" charset="2"/>
+              <a:buChar char="Ø"/>
+            </a:pPr>
+            <a:r>
+              <a:rPr lang="en-US" b="1" dirty="0" smtClean="0"/>
+              <a:t>Provide a system where details of books and stationeries, price, etc. are maintained. </a:t>
+            </a:r>
+            <a:endParaRPr lang="en-IN" b="1" dirty="0" smtClean="0"/>
+          </a:p>
+          <a:p>
+            <a:pPr algn="just" fontAlgn="base">
+              <a:buClr>
+                <a:schemeClr val="bg1"/>
+              </a:buClr>
+              <a:buFont typeface="Wingdings" panose="05000000000000000000" pitchFamily="2" charset="2"/>
+              <a:buChar char="Ø"/>
+            </a:pPr>
+            <a:r>
+              <a:rPr lang="en-US" b="1" dirty="0" smtClean="0"/>
+              <a:t>To minimize errors, monetary loss. </a:t>
+            </a:r>
+            <a:endParaRPr lang="en-IN" b="1" dirty="0" smtClean="0"/>
+          </a:p>
+          <a:p>
+            <a:pPr algn="just" fontAlgn="base">
+              <a:buClr>
+                <a:schemeClr val="bg1"/>
+              </a:buClr>
+              <a:buFont typeface="Wingdings" panose="05000000000000000000" pitchFamily="2" charset="2"/>
+              <a:buChar char="Ø"/>
+            </a:pPr>
+            <a:r>
+              <a:rPr lang="en-US" b="1" dirty="0" smtClean="0"/>
+              <a:t>As the project is developed using PHP and MySQL it is highly portable and robust, user friendly. </a:t>
+            </a:r>
+            <a:endParaRPr lang="en-IN" b="1" dirty="0" smtClean="0"/>
+          </a:p>
+          <a:p>
+            <a:pPr algn="just" fontAlgn="base">
+              <a:buClr>
+                <a:schemeClr val="bg1"/>
+              </a:buClr>
+              <a:buFont typeface="Wingdings" panose="05000000000000000000" pitchFamily="2" charset="2"/>
+              <a:buChar char="Ø"/>
+            </a:pPr>
+            <a:r>
+              <a:rPr lang="en-US" b="1" dirty="0" smtClean="0"/>
+              <a:t>It only need . NET framework to install and we can deploy the project.</a:t>
+            </a:r>
+            <a:endParaRPr lang="en-IN" b="1" dirty="0"/>
           </a:p>
         </p:txBody>
       </p:sp>
@@ -7361,7 +7686,7 @@
           <a:bodyPr/>
           <a:lstStyle/>
           <a:p>
-            <a:endParaRPr lang="en-IN"/>
+            <a:endParaRPr lang="en-IN" dirty="0"/>
           </a:p>
         </p:txBody>
       </p:sp>
@@ -7684,11 +8009,11 @@
   <p:clrMapOvr>
     <a:masterClrMapping/>
   </p:clrMapOvr>
-  <mc:AlternateContent xmlns:mc="http://schemas.openxmlformats.org/markup-compatibility/2006">
-    <mc:Choice xmlns:p14="http://schemas.microsoft.com/office/powerpoint/2010/main" Requires="p14">
+  <mc:AlternateContent xmlns:mc="http://schemas.openxmlformats.org/markup-compatibility/2006" xmlns:p14="http://schemas.microsoft.com/office/powerpoint/2010/main">
+    <mc:Choice Requires="p14">
       <p:transition spd="slow" p14:dur="2000" advTm="2000"/>
     </mc:Choice>
-    <mc:Fallback>
+    <mc:Fallback xmlns="">
       <p:transition spd="slow" advTm="2000"/>
     </mc:Fallback>
   </mc:AlternateContent>
@@ -8561,7 +8886,7 @@
           <p:cNvPr id="4" name="Title 3">
             <a:extLst>
               <a:ext uri="{FF2B5EF4-FFF2-40B4-BE49-F238E27FC236}">
-                <a16:creationId xmlns:a16="http://schemas.microsoft.com/office/drawing/2014/main" xmlns="" id="{28D16FC4-0227-FF16-D407-3D56537BC479}"/>
+                <a16:creationId xmlns="" xmlns:a16="http://schemas.microsoft.com/office/drawing/2014/main" id="{28D16FC4-0227-FF16-D407-3D56537BC479}"/>
               </a:ext>
             </a:extLst>
           </p:cNvPr>
@@ -8646,11 +8971,6 @@
               </a:rPr>
               <a:t>Existing system</a:t>
             </a:r>
-            <a:endParaRPr lang="en-US" b="1" u="sng" dirty="0">
-              <a:solidFill>
-                <a:schemeClr val="tx1"/>
-              </a:solidFill>
-            </a:endParaRPr>
           </a:p>
         </p:txBody>
       </p:sp>
@@ -8790,149 +9110,10 @@
       </p:sp>
       <p:sp>
         <p:nvSpPr>
-          <p:cNvPr id="8" name="Content Placeholder 7"/>
-          <p:cNvSpPr>
-            <a:spLocks noGrp="1"/>
-          </p:cNvSpPr>
-          <p:nvPr>
-            <p:ph sz="quarter" idx="4"/>
-          </p:nvPr>
-        </p:nvSpPr>
-        <p:spPr>
-          <a:xfrm>
-            <a:off x="5731917" y="1686329"/>
-            <a:ext cx="4396339" cy="4905540"/>
-          </a:xfrm>
-        </p:spPr>
-        <p:txBody>
-          <a:bodyPr>
-            <a:normAutofit/>
-          </a:bodyPr>
-          <a:lstStyle/>
-          <a:p>
-            <a:pPr lvl="0" algn="just" fontAlgn="base">
-              <a:buClr>
-                <a:schemeClr val="bg1"/>
-              </a:buClr>
-              <a:buFont typeface="Wingdings" panose="05000000000000000000" pitchFamily="2" charset="2"/>
-              <a:buChar char="Ø"/>
-            </a:pPr>
-            <a:r>
-              <a:rPr lang="en-US" b="1" dirty="0" smtClean="0"/>
-              <a:t>To provide </a:t>
-            </a:r>
-            <a:r>
-              <a:rPr lang="en-US" b="1" dirty="0"/>
-              <a:t>a user friendly environment where user can be serviced better.  </a:t>
-            </a:r>
-            <a:endParaRPr lang="en-IN" b="1" dirty="0"/>
-          </a:p>
-          <a:p>
-            <a:pPr lvl="0" algn="just" fontAlgn="base">
-              <a:buClr>
-                <a:schemeClr val="bg1"/>
-              </a:buClr>
-              <a:buFont typeface="Wingdings" panose="05000000000000000000" pitchFamily="2" charset="2"/>
-              <a:buChar char="Ø"/>
-            </a:pPr>
-            <a:r>
-              <a:rPr lang="en-US" b="1" dirty="0"/>
-              <a:t>Make functioning of shop faster.  </a:t>
-            </a:r>
-            <a:endParaRPr lang="en-IN" b="1" dirty="0"/>
-          </a:p>
-          <a:p>
-            <a:pPr lvl="0" algn="just" fontAlgn="base">
-              <a:buClr>
-                <a:schemeClr val="bg1"/>
-              </a:buClr>
-              <a:buFont typeface="Wingdings" panose="05000000000000000000" pitchFamily="2" charset="2"/>
-              <a:buChar char="Ø"/>
-            </a:pPr>
-            <a:r>
-              <a:rPr lang="en-US" b="1" dirty="0"/>
-              <a:t>Provide a system where details of books and stationeries, price, </a:t>
-            </a:r>
-            <a:r>
-              <a:rPr lang="en-US" b="1" dirty="0" smtClean="0"/>
-              <a:t>etc. </a:t>
-            </a:r>
-            <a:r>
-              <a:rPr lang="en-US" b="1" dirty="0"/>
-              <a:t>are maintained. </a:t>
-            </a:r>
-            <a:endParaRPr lang="en-IN" b="1" dirty="0"/>
-          </a:p>
-          <a:p>
-            <a:pPr lvl="0" algn="just" fontAlgn="base">
-              <a:buClr>
-                <a:schemeClr val="bg1"/>
-              </a:buClr>
-              <a:buFont typeface="Wingdings" panose="05000000000000000000" pitchFamily="2" charset="2"/>
-              <a:buChar char="Ø"/>
-            </a:pPr>
-            <a:r>
-              <a:rPr lang="en-US" b="1" dirty="0"/>
-              <a:t>To minimize errors, monetary loss. </a:t>
-            </a:r>
-            <a:endParaRPr lang="en-IN" b="1" dirty="0"/>
-          </a:p>
-          <a:p>
-            <a:pPr lvl="0" algn="just" fontAlgn="base">
-              <a:buClr>
-                <a:schemeClr val="bg1"/>
-              </a:buClr>
-              <a:buFont typeface="Wingdings" panose="05000000000000000000" pitchFamily="2" charset="2"/>
-              <a:buChar char="Ø"/>
-            </a:pPr>
-            <a:r>
-              <a:rPr lang="en-US" b="1" dirty="0"/>
-              <a:t>As the project is developed using PHP and </a:t>
-            </a:r>
-            <a:r>
-              <a:rPr lang="en-US" b="1" dirty="0" smtClean="0"/>
-              <a:t>MySQL </a:t>
-            </a:r>
-            <a:r>
-              <a:rPr lang="en-US" b="1" dirty="0"/>
-              <a:t>it is highly portable and robust, user friendly. </a:t>
-            </a:r>
-            <a:endParaRPr lang="en-IN" b="1" dirty="0"/>
-          </a:p>
-          <a:p>
-            <a:pPr lvl="0" algn="just" fontAlgn="base">
-              <a:buClr>
-                <a:schemeClr val="bg1"/>
-              </a:buClr>
-              <a:buFont typeface="Wingdings" panose="05000000000000000000" pitchFamily="2" charset="2"/>
-              <a:buChar char="Ø"/>
-            </a:pPr>
-            <a:r>
-              <a:rPr lang="en-US" b="1" dirty="0"/>
-              <a:t>It only need </a:t>
-            </a:r>
-            <a:r>
-              <a:rPr lang="en-US" b="1" dirty="0" smtClean="0"/>
-              <a:t>. NET </a:t>
-            </a:r>
-            <a:r>
-              <a:rPr lang="en-US" b="1" dirty="0"/>
-              <a:t>framework to install and we can deploy the project</a:t>
-            </a:r>
-            <a:r>
-              <a:rPr lang="en-US" b="1" dirty="0" smtClean="0"/>
-              <a:t>.</a:t>
-            </a:r>
-            <a:endParaRPr lang="en-IN" b="1" dirty="0"/>
-          </a:p>
-        </p:txBody>
-      </p:sp>
-      <p:sp>
-        <p:nvSpPr>
           <p:cNvPr id="9" name="Text Placeholder 6">
             <a:extLst>
               <a:ext uri="{FF2B5EF4-FFF2-40B4-BE49-F238E27FC236}">
-                <a16:creationId xmlns:a16="http://schemas.microsoft.com/office/drawing/2014/main" xmlns="" id="{E9B78494-7868-3317-5C32-8680C6D6389B}"/>
+                <a16:creationId xmlns="" xmlns:a16="http://schemas.microsoft.com/office/drawing/2014/main" id="{E9B78494-7868-3317-5C32-8680C6D6389B}"/>
               </a:ext>
             </a:extLst>
           </p:cNvPr>
@@ -9128,6 +9309,25 @@
             <a:endParaRPr lang="en-IN" b="1" u="sng" dirty="0">
               <a:cs typeface="Arial"/>
             </a:endParaRPr>
+          </a:p>
+        </p:txBody>
+      </p:sp>
+      <p:sp>
+        <p:nvSpPr>
+          <p:cNvPr id="2" name="Content Placeholder 1"/>
+          <p:cNvSpPr>
+            <a:spLocks noGrp="1"/>
+          </p:cNvSpPr>
+          <p:nvPr>
+            <p:ph sz="quarter" idx="4"/>
+          </p:nvPr>
+        </p:nvSpPr>
+        <p:spPr/>
+        <p:txBody>
+          <a:bodyPr/>
+          <a:lstStyle/>
+          <a:p>
+            <a:endParaRPr lang="en-IN"/>
           </a:p>
         </p:txBody>
       </p:sp>
@@ -9241,7 +9441,7 @@
         </p:nvGrpSpPr>
         <p:grpSpPr>
           <a:xfrm>
-            <a:off x="1856096" y="1037230"/>
+            <a:off x="1774208" y="1023583"/>
             <a:ext cx="8502555" cy="5459103"/>
             <a:chOff x="0" y="0"/>
             <a:chExt cx="5738445" cy="4330868"/>
@@ -9524,12 +9724,15 @@
           </p:nvSpPr>
           <p:spPr>
             <a:xfrm>
-              <a:off x="2625293" y="44958"/>
+              <a:off x="2580447" y="34849"/>
               <a:ext cx="590474" cy="276647"/>
             </a:xfrm>
             <a:prstGeom prst="rect">
               <a:avLst/>
             </a:prstGeom>
+            <a:solidFill>
+              <a:srgbClr val="00B050"/>
+            </a:solidFill>
             <a:ln>
               <a:noFill/>
             </a:ln>
@@ -9552,7 +9755,7 @@
                 </a:spcAft>
               </a:pPr>
               <a:r>
-                <a:rPr lang="en-US" sz="1600" b="1">
+                <a:rPr lang="en-US" sz="1600" b="1" dirty="0">
                   <a:solidFill>
                     <a:srgbClr val="0D0D0D"/>
                   </a:solidFill>
@@ -9562,7 +9765,7 @@
                 </a:rPr>
                 <a:t>USER</a:t>
               </a:r>
-              <a:endParaRPr lang="en-IN" sz="1100">
+              <a:endParaRPr lang="en-IN" sz="1100" dirty="0">
                 <a:solidFill>
                   <a:srgbClr val="000000"/>
                 </a:solidFill>
@@ -10476,12 +10679,15 @@
           </p:nvSpPr>
           <p:spPr>
             <a:xfrm>
-              <a:off x="2305253" y="1316228"/>
-              <a:ext cx="1372975" cy="276647"/>
+              <a:off x="2240910" y="1305647"/>
+              <a:ext cx="1251711" cy="276647"/>
             </a:xfrm>
             <a:prstGeom prst="rect">
               <a:avLst/>
             </a:prstGeom>
+            <a:solidFill>
+              <a:srgbClr val="FFFF00"/>
+            </a:solidFill>
             <a:ln>
               <a:noFill/>
             </a:ln>
@@ -10504,7 +10710,7 @@
                 </a:spcAft>
               </a:pPr>
               <a:r>
-                <a:rPr lang="en-US" sz="1600" b="1">
+                <a:rPr lang="en-US" sz="1600" b="1" dirty="0">
                   <a:solidFill>
                     <a:srgbClr val="000000"/>
                   </a:solidFill>
@@ -10514,7 +10720,7 @@
                 </a:rPr>
                 <a:t>HOME PAGE</a:t>
               </a:r>
-              <a:endParaRPr lang="en-IN" sz="1100">
+              <a:endParaRPr lang="en-IN" sz="1100" dirty="0">
                 <a:solidFill>
                   <a:srgbClr val="000000"/>
                 </a:solidFill>
@@ -11314,12 +11520,15 @@
           </p:nvSpPr>
           <p:spPr>
             <a:xfrm>
-              <a:off x="3433267" y="2087753"/>
-              <a:ext cx="1190726" cy="276647"/>
+              <a:off x="3368025" y="2066895"/>
+              <a:ext cx="1083909" cy="276647"/>
             </a:xfrm>
             <a:prstGeom prst="rect">
               <a:avLst/>
             </a:prstGeom>
+            <a:solidFill>
+              <a:srgbClr val="FF0000"/>
+            </a:solidFill>
             <a:ln>
               <a:noFill/>
             </a:ln>
@@ -11342,7 +11551,7 @@
                 </a:spcAft>
               </a:pPr>
               <a:r>
-                <a:rPr lang="en-US" sz="1600" b="1">
+                <a:rPr lang="en-US" sz="1600" b="1" dirty="0">
                   <a:solidFill>
                     <a:srgbClr val="000000"/>
                   </a:solidFill>
@@ -11352,7 +11561,7 @@
                 </a:rPr>
                 <a:t>CATEGORY</a:t>
               </a:r>
-              <a:endParaRPr lang="en-IN" sz="1100">
+              <a:endParaRPr lang="en-IN" sz="1100" dirty="0">
                 <a:solidFill>
                   <a:srgbClr val="000000"/>
                 </a:solidFill>
@@ -11924,12 +12133,15 @@
           </p:nvSpPr>
           <p:spPr>
             <a:xfrm>
-              <a:off x="1161872" y="2529713"/>
-              <a:ext cx="1506062" cy="276647"/>
+              <a:off x="1135139" y="2497160"/>
+              <a:ext cx="1384172" cy="276647"/>
             </a:xfrm>
             <a:prstGeom prst="rect">
               <a:avLst/>
             </a:prstGeom>
+            <a:solidFill>
+              <a:srgbClr val="FFC000"/>
+            </a:solidFill>
             <a:ln>
               <a:noFill/>
             </a:ln>
@@ -11952,7 +12164,7 @@
                 </a:spcAft>
               </a:pPr>
               <a:r>
-                <a:rPr lang="en-US" sz="1600" b="1">
+                <a:rPr lang="en-US" sz="1600" b="1" dirty="0">
                   <a:solidFill>
                     <a:srgbClr val="000000"/>
                   </a:solidFill>
@@ -11962,7 +12174,7 @@
                 </a:rPr>
                 <a:t>SELECT BOOK</a:t>
               </a:r>
-              <a:endParaRPr lang="en-IN" sz="1100">
+              <a:endParaRPr lang="en-IN" sz="1100" dirty="0">
                 <a:solidFill>
                   <a:srgbClr val="000000"/>
                 </a:solidFill>
@@ -12534,12 +12746,15 @@
           </p:nvSpPr>
           <p:spPr>
             <a:xfrm>
-              <a:off x="1161872" y="2932049"/>
-              <a:ext cx="1343913" cy="276647"/>
+              <a:off x="1134441" y="2897907"/>
+              <a:ext cx="1412304" cy="276647"/>
             </a:xfrm>
             <a:prstGeom prst="rect">
               <a:avLst/>
             </a:prstGeom>
+            <a:solidFill>
+              <a:srgbClr val="C00000"/>
+            </a:solidFill>
             <a:ln>
               <a:noFill/>
             </a:ln>
@@ -12562,7 +12777,7 @@
                 </a:spcAft>
               </a:pPr>
               <a:r>
-                <a:rPr lang="en-US" sz="1600" b="1">
+                <a:rPr lang="en-US" sz="1600" b="1" dirty="0">
                   <a:solidFill>
                     <a:srgbClr val="000000"/>
                   </a:solidFill>
@@ -12572,7 +12787,7 @@
                 </a:rPr>
                 <a:t>READ BOOK</a:t>
               </a:r>
-              <a:endParaRPr lang="en-IN" sz="1100">
+              <a:endParaRPr lang="en-IN" sz="1100" dirty="0">
                 <a:solidFill>
                   <a:srgbClr val="000000"/>
                 </a:solidFill>
@@ -13144,12 +13359,15 @@
           </p:nvSpPr>
           <p:spPr>
             <a:xfrm>
-              <a:off x="4771974" y="2627249"/>
-              <a:ext cx="954700" cy="276647"/>
+              <a:off x="4717110" y="2584183"/>
+              <a:ext cx="1018336" cy="276647"/>
             </a:xfrm>
             <a:prstGeom prst="rect">
               <a:avLst/>
             </a:prstGeom>
+            <a:solidFill>
+              <a:srgbClr val="00B0F0"/>
+            </a:solidFill>
             <a:ln>
               <a:noFill/>
             </a:ln>
@@ -13172,7 +13390,7 @@
                 </a:spcAft>
               </a:pPr>
               <a:r>
-                <a:rPr lang="en-US" sz="1600" b="1">
+                <a:rPr lang="en-US" sz="1600" b="1" dirty="0">
                   <a:solidFill>
                     <a:srgbClr val="000000"/>
                   </a:solidFill>
@@ -13182,7 +13400,7 @@
                 </a:rPr>
                 <a:t>SETTING</a:t>
               </a:r>
-              <a:endParaRPr lang="en-IN" sz="1100">
+              <a:endParaRPr lang="en-IN" sz="1100" dirty="0">
                 <a:solidFill>
                   <a:srgbClr val="000000"/>
                 </a:solidFill>
@@ -15057,7 +15275,7 @@
           <p:cNvPr id="3" name="TextBox 2">
             <a:extLst>
               <a:ext uri="{FF2B5EF4-FFF2-40B4-BE49-F238E27FC236}">
-                <a16:creationId xmlns:a16="http://schemas.microsoft.com/office/drawing/2014/main" xmlns="" id="{5B7E6577-74AE-17C1-BB1B-4B14527BFF50}"/>
+                <a16:creationId xmlns="" xmlns:a16="http://schemas.microsoft.com/office/drawing/2014/main" id="{5B7E6577-74AE-17C1-BB1B-4B14527BFF50}"/>
               </a:ext>
             </a:extLst>
           </p:cNvPr>
@@ -15257,7 +15475,7 @@
           <p:cNvPr id="9" name="TextBox 8">
             <a:extLst>
               <a:ext uri="{FF2B5EF4-FFF2-40B4-BE49-F238E27FC236}">
-                <a16:creationId xmlns:a16="http://schemas.microsoft.com/office/drawing/2014/main" xmlns="" id="{5B7E6577-74AE-17C1-BB1B-4B14527BFF50}"/>
+                <a16:creationId xmlns="" xmlns:a16="http://schemas.microsoft.com/office/drawing/2014/main" id="{5B7E6577-74AE-17C1-BB1B-4B14527BFF50}"/>
               </a:ext>
             </a:extLst>
           </p:cNvPr>
@@ -15475,7 +15693,7 @@
           <p:cNvPr id="3" name="TextBox 2">
             <a:extLst>
               <a:ext uri="{FF2B5EF4-FFF2-40B4-BE49-F238E27FC236}">
-                <a16:creationId xmlns:a16="http://schemas.microsoft.com/office/drawing/2014/main" xmlns="" id="{210691BB-9B24-7EA5-0EB1-C70ECDC3E9A7}"/>
+                <a16:creationId xmlns="" xmlns:a16="http://schemas.microsoft.com/office/drawing/2014/main" id="{210691BB-9B24-7EA5-0EB1-C70ECDC3E9A7}"/>
               </a:ext>
             </a:extLst>
           </p:cNvPr>
@@ -15522,146 +15740,52 @@
           </a:p>
         </p:txBody>
       </p:sp>
-    </p:spTree>
-    <p:extLst>
-      <p:ext uri="{BB962C8B-B14F-4D97-AF65-F5344CB8AC3E}">
-        <p14:creationId xmlns:p14="http://schemas.microsoft.com/office/powerpoint/2010/main" val="1706091739"/>
-      </p:ext>
-    </p:extLst>
-  </p:cSld>
-  <p:clrMapOvr>
-    <a:masterClrMapping/>
-  </p:clrMapOvr>
-  <p:timing>
-    <p:tnLst>
-      <p:par>
-        <p:cTn id="1" dur="indefinite" restart="never" nodeType="tmRoot"/>
-      </p:par>
-    </p:tnLst>
-  </p:timing>
-</p:sld>
-</file>
-
-<file path=ppt/slides/slide9.xml><?xml version="1.0" encoding="utf-8"?>
-<p:sld xmlns:a="http://schemas.openxmlformats.org/drawingml/2006/main" xmlns:r="http://schemas.openxmlformats.org/officeDocument/2006/relationships" xmlns:p="http://schemas.openxmlformats.org/presentationml/2006/main">
-  <p:cSld>
-    <p:spTree>
-      <p:nvGrpSpPr>
-        <p:cNvPr id="1" name=""/>
-        <p:cNvGrpSpPr/>
-        <p:nvPr/>
-      </p:nvGrpSpPr>
-      <p:grpSpPr>
-        <a:xfrm>
-          <a:off x="0" y="0"/>
-          <a:ext cx="0" cy="0"/>
-          <a:chOff x="0" y="0"/>
-          <a:chExt cx="0" cy="0"/>
-        </a:xfrm>
-      </p:grpSpPr>
-      <p:sp>
-        <p:nvSpPr>
-          <p:cNvPr id="4" name="Title 1">
+      <p:pic>
+        <p:nvPicPr>
+          <p:cNvPr id="4" name="Picture 3"/>
+          <p:cNvPicPr>
+            <a:picLocks noChangeAspect="1"/>
+          </p:cNvPicPr>
+          <p:nvPr/>
+        </p:nvPicPr>
+        <p:blipFill>
+          <a:blip r:embed="rId2">
             <a:extLst>
-              <a:ext uri="{FF2B5EF4-FFF2-40B4-BE49-F238E27FC236}">
-                <a16:creationId xmlns:a16="http://schemas.microsoft.com/office/drawing/2014/main" xmlns="" id="{B45E42FE-28E4-4F24-FFE5-BFF498174A61}"/>
+              <a:ext uri="{28A0092B-C50C-407E-A947-70E740481C1C}">
+                <a14:useLocalDpi xmlns:a14="http://schemas.microsoft.com/office/drawing/2010/main" val="0"/>
               </a:ext>
             </a:extLst>
-          </p:cNvPr>
-          <p:cNvSpPr>
-            <a:spLocks noGrp="1"/>
-          </p:cNvSpPr>
-          <p:nvPr>
-            <p:ph type="title"/>
-          </p:nvPr>
-        </p:nvSpPr>
+          </a:blip>
+          <a:stretch>
+            <a:fillRect/>
+          </a:stretch>
+        </p:blipFill>
         <p:spPr>
           <a:xfrm>
-            <a:off x="0" y="-84591"/>
-            <a:ext cx="9404723" cy="1400530"/>
+            <a:off x="3424415" y="2424067"/>
+            <a:ext cx="4054559" cy="4433933"/>
           </a:xfrm>
           <a:prstGeom prst="rect">
             <a:avLst/>
           </a:prstGeom>
         </p:spPr>
-        <p:txBody>
-          <a:bodyPr vert="horz" lIns="91440" tIns="45720" rIns="91440" bIns="45720" rtlCol="0" anchor="b">
-            <a:normAutofit fontScale="92500"/>
-          </a:bodyPr>
-          <a:lstStyle>
-            <a:lvl1pPr algn="l" defTabSz="914400" rtl="0" eaLnBrk="1" latinLnBrk="0" hangingPunct="1">
-              <a:lnSpc>
-                <a:spcPct val="90000"/>
-              </a:lnSpc>
-              <a:spcBef>
-                <a:spcPct val="0"/>
-              </a:spcBef>
-              <a:buNone/>
-              <a:defRPr sz="2800" kern="1200" cap="all" spc="150" baseline="0">
-                <a:solidFill>
-                  <a:schemeClr val="bg1"/>
-                </a:solidFill>
-                <a:latin typeface="+mj-lt"/>
-                <a:ea typeface="+mj-ea"/>
-                <a:cs typeface="+mj-cs"/>
-              </a:defRPr>
-            </a:lvl1pPr>
-          </a:lstStyle>
-          <a:p>
-            <a:r>
-              <a:rPr lang="en-US" sz="3600" dirty="0" smtClean="0">
-                <a:solidFill>
-                  <a:schemeClr val="tx1">
-                    <a:lumMod val="95000"/>
-                  </a:schemeClr>
-                </a:solidFill>
-                <a:latin typeface="Arial Rounded MT Bold" panose="020F0704030504030204" pitchFamily="34" charset="0"/>
-              </a:rPr>
-              <a:t>aDVANTAGEs </a:t>
-            </a:r>
-            <a:r>
-              <a:rPr lang="en-US" sz="3600" dirty="0" smtClean="0">
-                <a:solidFill>
-                  <a:schemeClr val="tx1">
-                    <a:lumMod val="95000"/>
-                  </a:schemeClr>
-                </a:solidFill>
-                <a:latin typeface="Arial Rounded MT Bold" panose="020F0704030504030204" pitchFamily="34" charset="0"/>
-              </a:rPr>
-              <a:t>:-</a:t>
-            </a:r>
-            <a:endParaRPr lang="en-US" sz="3600" dirty="0">
-              <a:solidFill>
-                <a:schemeClr val="tx1">
-                  <a:lumMod val="95000"/>
-                </a:schemeClr>
-              </a:solidFill>
-              <a:latin typeface="Arial Rounded MT Bold" panose="020F0704030504030204" pitchFamily="34" charset="0"/>
-              <a:cs typeface="Arial"/>
-            </a:endParaRPr>
-          </a:p>
-        </p:txBody>
-      </p:sp>
+      </p:pic>
       <p:sp>
         <p:nvSpPr>
-          <p:cNvPr id="5" name="Content Placeholder 4">
+          <p:cNvPr id="5" name="TextBox 4">
             <a:extLst>
               <a:ext uri="{FF2B5EF4-FFF2-40B4-BE49-F238E27FC236}">
-                <a16:creationId xmlns:a16="http://schemas.microsoft.com/office/drawing/2014/main" xmlns="" id="{6DF756D9-EF3C-EF8A-60BD-A12583F478E5}"/>
+                <a16:creationId xmlns="" xmlns:a16="http://schemas.microsoft.com/office/drawing/2014/main" id="{5B7E6577-74AE-17C1-BB1B-4B14527BFF50}"/>
               </a:ext>
             </a:extLst>
           </p:cNvPr>
-          <p:cNvSpPr txBox="1">
-            <a:spLocks noGrp="1"/>
-          </p:cNvSpPr>
-          <p:nvPr>
-            <p:ph idx="1"/>
-          </p:nvPr>
+          <p:cNvSpPr txBox="1"/>
+          <p:nvPr/>
         </p:nvSpPr>
         <p:spPr>
           <a:xfrm>
-            <a:off x="2386201" y="1902793"/>
-            <a:ext cx="8946541" cy="3318857"/>
+            <a:off x="4547826" y="1744095"/>
+            <a:ext cx="2740080" cy="830997"/>
           </a:xfrm>
           <a:prstGeom prst="rect">
             <a:avLst/>
@@ -15771,6 +15895,263 @@
             </a:lvl9pPr>
           </a:lstStyle>
           <a:p>
+            <a:pPr algn="l"/>
+            <a:r>
+              <a:rPr lang="en-US" sz="4800" b="1" dirty="0" smtClean="0">
+                <a:solidFill>
+                  <a:schemeClr val="bg1"/>
+                </a:solidFill>
+                <a:latin typeface="Arial Rounded MT Bold" panose="020F0704030504030204" pitchFamily="34" charset="0"/>
+              </a:rPr>
+              <a:t>MY SQL</a:t>
+            </a:r>
+            <a:endParaRPr lang="en-US" sz="4800" b="1" dirty="0">
+              <a:solidFill>
+                <a:schemeClr val="bg1"/>
+              </a:solidFill>
+              <a:latin typeface="Arial Rounded MT Bold" panose="020F0704030504030204" pitchFamily="34" charset="0"/>
+            </a:endParaRPr>
+          </a:p>
+        </p:txBody>
+      </p:sp>
+    </p:spTree>
+    <p:extLst>
+      <p:ext uri="{BB962C8B-B14F-4D97-AF65-F5344CB8AC3E}">
+        <p14:creationId xmlns:p14="http://schemas.microsoft.com/office/powerpoint/2010/main" val="1706091739"/>
+      </p:ext>
+    </p:extLst>
+  </p:cSld>
+  <p:clrMapOvr>
+    <a:masterClrMapping/>
+  </p:clrMapOvr>
+  <p:timing>
+    <p:tnLst>
+      <p:par>
+        <p:cTn id="1" dur="indefinite" restart="never" nodeType="tmRoot"/>
+      </p:par>
+    </p:tnLst>
+  </p:timing>
+</p:sld>
+</file>
+
+<file path=ppt/slides/slide9.xml><?xml version="1.0" encoding="utf-8"?>
+<p:sld xmlns:a="http://schemas.openxmlformats.org/drawingml/2006/main" xmlns:r="http://schemas.openxmlformats.org/officeDocument/2006/relationships" xmlns:p="http://schemas.openxmlformats.org/presentationml/2006/main">
+  <p:cSld>
+    <p:spTree>
+      <p:nvGrpSpPr>
+        <p:cNvPr id="1" name=""/>
+        <p:cNvGrpSpPr/>
+        <p:nvPr/>
+      </p:nvGrpSpPr>
+      <p:grpSpPr>
+        <a:xfrm>
+          <a:off x="0" y="0"/>
+          <a:ext cx="0" cy="0"/>
+          <a:chOff x="0" y="0"/>
+          <a:chExt cx="0" cy="0"/>
+        </a:xfrm>
+      </p:grpSpPr>
+      <p:sp>
+        <p:nvSpPr>
+          <p:cNvPr id="4" name="Title 1">
+            <a:extLst>
+              <a:ext uri="{FF2B5EF4-FFF2-40B4-BE49-F238E27FC236}">
+                <a16:creationId xmlns="" xmlns:a16="http://schemas.microsoft.com/office/drawing/2014/main" id="{B45E42FE-28E4-4F24-FFE5-BFF498174A61}"/>
+              </a:ext>
+            </a:extLst>
+          </p:cNvPr>
+          <p:cNvSpPr>
+            <a:spLocks noGrp="1"/>
+          </p:cNvSpPr>
+          <p:nvPr>
+            <p:ph type="title"/>
+          </p:nvPr>
+        </p:nvSpPr>
+        <p:spPr>
+          <a:xfrm>
+            <a:off x="0" y="-84591"/>
+            <a:ext cx="9404723" cy="1400530"/>
+          </a:xfrm>
+          <a:prstGeom prst="rect">
+            <a:avLst/>
+          </a:prstGeom>
+        </p:spPr>
+        <p:txBody>
+          <a:bodyPr vert="horz" lIns="91440" tIns="45720" rIns="91440" bIns="45720" rtlCol="0" anchor="b">
+            <a:normAutofit fontScale="92500"/>
+          </a:bodyPr>
+          <a:lstStyle>
+            <a:lvl1pPr algn="l" defTabSz="914400" rtl="0" eaLnBrk="1" latinLnBrk="0" hangingPunct="1">
+              <a:lnSpc>
+                <a:spcPct val="90000"/>
+              </a:lnSpc>
+              <a:spcBef>
+                <a:spcPct val="0"/>
+              </a:spcBef>
+              <a:buNone/>
+              <a:defRPr sz="2800" kern="1200" cap="all" spc="150" baseline="0">
+                <a:solidFill>
+                  <a:schemeClr val="bg1"/>
+                </a:solidFill>
+                <a:latin typeface="+mj-lt"/>
+                <a:ea typeface="+mj-ea"/>
+                <a:cs typeface="+mj-cs"/>
+              </a:defRPr>
+            </a:lvl1pPr>
+          </a:lstStyle>
+          <a:p>
+            <a:r>
+              <a:rPr lang="en-US" sz="3600" dirty="0" smtClean="0">
+                <a:solidFill>
+                  <a:schemeClr val="tx1">
+                    <a:lumMod val="95000"/>
+                  </a:schemeClr>
+                </a:solidFill>
+                <a:latin typeface="Arial Rounded MT Bold" panose="020F0704030504030204" pitchFamily="34" charset="0"/>
+              </a:rPr>
+              <a:t>aDVANTAGEs :-</a:t>
+            </a:r>
+            <a:endParaRPr lang="en-US" sz="3600" dirty="0">
+              <a:solidFill>
+                <a:schemeClr val="tx1">
+                  <a:lumMod val="95000"/>
+                </a:schemeClr>
+              </a:solidFill>
+              <a:latin typeface="Arial Rounded MT Bold" panose="020F0704030504030204" pitchFamily="34" charset="0"/>
+              <a:cs typeface="Arial"/>
+            </a:endParaRPr>
+          </a:p>
+        </p:txBody>
+      </p:sp>
+      <p:sp>
+        <p:nvSpPr>
+          <p:cNvPr id="5" name="Content Placeholder 4">
+            <a:extLst>
+              <a:ext uri="{FF2B5EF4-FFF2-40B4-BE49-F238E27FC236}">
+                <a16:creationId xmlns="" xmlns:a16="http://schemas.microsoft.com/office/drawing/2014/main" id="{6DF756D9-EF3C-EF8A-60BD-A12583F478E5}"/>
+              </a:ext>
+            </a:extLst>
+          </p:cNvPr>
+          <p:cNvSpPr txBox="1">
+            <a:spLocks noGrp="1"/>
+          </p:cNvSpPr>
+          <p:nvPr>
+            <p:ph idx="1"/>
+          </p:nvPr>
+        </p:nvSpPr>
+        <p:spPr>
+          <a:xfrm>
+            <a:off x="1267085" y="1315939"/>
+            <a:ext cx="8946541" cy="6747488"/>
+          </a:xfrm>
+          <a:prstGeom prst="rect">
+            <a:avLst/>
+          </a:prstGeom>
+          <a:noFill/>
+        </p:spPr>
+        <p:txBody>
+          <a:bodyPr rot="0" spcFirstLastPara="0" vert="horz" wrap="square" lIns="91440" tIns="45720" rIns="91440" bIns="45720" numCol="1" spcCol="0" rtlCol="0" fromWordArt="0" anchor="t" anchorCtr="0" forceAA="0" compatLnSpc="1">
+            <a:prstTxWarp prst="textNoShape">
+              <a:avLst/>
+            </a:prstTxWarp>
+            <a:spAutoFit/>
+          </a:bodyPr>
+          <a:lstStyle>
+            <a:defPPr>
+              <a:defRPr lang="en-US"/>
+            </a:defPPr>
+            <a:lvl1pPr marL="0" algn="l" defTabSz="914400" rtl="0" eaLnBrk="1" latinLnBrk="0" hangingPunct="1">
+              <a:defRPr sz="1800" kern="1200">
+                <a:solidFill>
+                  <a:schemeClr val="tx1"/>
+                </a:solidFill>
+                <a:latin typeface="+mn-lt"/>
+                <a:ea typeface="+mn-ea"/>
+                <a:cs typeface="+mn-cs"/>
+              </a:defRPr>
+            </a:lvl1pPr>
+            <a:lvl2pPr marL="457200" algn="l" defTabSz="914400" rtl="0" eaLnBrk="1" latinLnBrk="0" hangingPunct="1">
+              <a:defRPr sz="1800" kern="1200">
+                <a:solidFill>
+                  <a:schemeClr val="tx1"/>
+                </a:solidFill>
+                <a:latin typeface="+mn-lt"/>
+                <a:ea typeface="+mn-ea"/>
+                <a:cs typeface="+mn-cs"/>
+              </a:defRPr>
+            </a:lvl2pPr>
+            <a:lvl3pPr marL="914400" algn="l" defTabSz="914400" rtl="0" eaLnBrk="1" latinLnBrk="0" hangingPunct="1">
+              <a:defRPr sz="1800" kern="1200">
+                <a:solidFill>
+                  <a:schemeClr val="tx1"/>
+                </a:solidFill>
+                <a:latin typeface="+mn-lt"/>
+                <a:ea typeface="+mn-ea"/>
+                <a:cs typeface="+mn-cs"/>
+              </a:defRPr>
+            </a:lvl3pPr>
+            <a:lvl4pPr marL="1371600" algn="l" defTabSz="914400" rtl="0" eaLnBrk="1" latinLnBrk="0" hangingPunct="1">
+              <a:defRPr sz="1800" kern="1200">
+                <a:solidFill>
+                  <a:schemeClr val="tx1"/>
+                </a:solidFill>
+                <a:latin typeface="+mn-lt"/>
+                <a:ea typeface="+mn-ea"/>
+                <a:cs typeface="+mn-cs"/>
+              </a:defRPr>
+            </a:lvl4pPr>
+            <a:lvl5pPr marL="1828800" algn="l" defTabSz="914400" rtl="0" eaLnBrk="1" latinLnBrk="0" hangingPunct="1">
+              <a:defRPr sz="1800" kern="1200">
+                <a:solidFill>
+                  <a:schemeClr val="tx1"/>
+                </a:solidFill>
+                <a:latin typeface="+mn-lt"/>
+                <a:ea typeface="+mn-ea"/>
+                <a:cs typeface="+mn-cs"/>
+              </a:defRPr>
+            </a:lvl5pPr>
+            <a:lvl6pPr marL="2286000" algn="l" defTabSz="914400" rtl="0" eaLnBrk="1" latinLnBrk="0" hangingPunct="1">
+              <a:defRPr sz="1800" kern="1200">
+                <a:solidFill>
+                  <a:schemeClr val="tx1"/>
+                </a:solidFill>
+                <a:latin typeface="+mn-lt"/>
+                <a:ea typeface="+mn-ea"/>
+                <a:cs typeface="+mn-cs"/>
+              </a:defRPr>
+            </a:lvl6pPr>
+            <a:lvl7pPr marL="2743200" algn="l" defTabSz="914400" rtl="0" eaLnBrk="1" latinLnBrk="0" hangingPunct="1">
+              <a:defRPr sz="1800" kern="1200">
+                <a:solidFill>
+                  <a:schemeClr val="tx1"/>
+                </a:solidFill>
+                <a:latin typeface="+mn-lt"/>
+                <a:ea typeface="+mn-ea"/>
+                <a:cs typeface="+mn-cs"/>
+              </a:defRPr>
+            </a:lvl7pPr>
+            <a:lvl8pPr marL="3200400" algn="l" defTabSz="914400" rtl="0" eaLnBrk="1" latinLnBrk="0" hangingPunct="1">
+              <a:defRPr sz="1800" kern="1200">
+                <a:solidFill>
+                  <a:schemeClr val="tx1"/>
+                </a:solidFill>
+                <a:latin typeface="+mn-lt"/>
+                <a:ea typeface="+mn-ea"/>
+                <a:cs typeface="+mn-cs"/>
+              </a:defRPr>
+            </a:lvl8pPr>
+            <a:lvl9pPr marL="3657600" algn="l" defTabSz="914400" rtl="0" eaLnBrk="1" latinLnBrk="0" hangingPunct="1">
+              <a:defRPr sz="1800" kern="1200">
+                <a:solidFill>
+                  <a:schemeClr val="tx1"/>
+                </a:solidFill>
+                <a:latin typeface="+mn-lt"/>
+                <a:ea typeface="+mn-ea"/>
+                <a:cs typeface="+mn-cs"/>
+              </a:defRPr>
+            </a:lvl9pPr>
+          </a:lstStyle>
+          <a:p>
             <a:pPr marL="285750" indent="-285750">
               <a:lnSpc>
                 <a:spcPct val="120000"/>
@@ -15787,7 +16168,15 @@
                 <a:ea typeface="+mn-lt"/>
                 <a:cs typeface="Times New Roman"/>
               </a:rPr>
-              <a:t>Easier Management.</a:t>
+              <a:t>Easier </a:t>
+            </a:r>
+            <a:r>
+              <a:rPr lang="en-US" sz="2400" dirty="0" smtClean="0">
+                <a:latin typeface="Tenorite"/>
+                <a:ea typeface="+mn-lt"/>
+                <a:cs typeface="Times New Roman"/>
+              </a:rPr>
+              <a:t>to access remotely than conventional libraries.</a:t>
             </a:r>
           </a:p>
           <a:p>
@@ -15802,17 +16191,17 @@
               <a:buChar char="•"/>
             </a:pPr>
             <a:r>
-              <a:rPr lang="en-US" sz="2400" dirty="0">
+              <a:rPr lang="en-US" sz="2400" dirty="0" smtClean="0">
                 <a:latin typeface="Tenorite"/>
                 <a:ea typeface="+mn-lt"/>
                 <a:cs typeface="Times New Roman"/>
               </a:rPr>
-              <a:t>Save Time.</a:t>
+              <a:t>Multiple and simultaneously access.</a:t>
             </a:r>
             <a:endParaRPr lang="en-US" sz="2400" dirty="0">
               <a:latin typeface="Tenorite"/>
               <a:ea typeface="+mn-lt"/>
-              <a:cs typeface="+mn-lt"/>
+              <a:cs typeface="Times New Roman"/>
             </a:endParaRPr>
           </a:p>
           <a:p>
@@ -15827,13 +16216,18 @@
               <a:buChar char="•"/>
             </a:pPr>
             <a:r>
-              <a:rPr lang="en-US" sz="2400" dirty="0">
+              <a:rPr lang="en-US" sz="2400" dirty="0" smtClean="0">
                 <a:latin typeface="Tenorite"/>
                 <a:ea typeface="+mn-lt"/>
                 <a:cs typeface="Times New Roman"/>
               </a:rPr>
-              <a:t>Cut Costs.</a:t>
-            </a:r>
+              <a:t>Powerful search and browsing.</a:t>
+            </a:r>
+            <a:endParaRPr lang="en-US" sz="2400" dirty="0">
+              <a:latin typeface="Tenorite"/>
+              <a:ea typeface="+mn-lt"/>
+              <a:cs typeface="+mn-lt"/>
+            </a:endParaRPr>
           </a:p>
           <a:p>
             <a:pPr marL="285750" indent="-285750">
@@ -15847,17 +16241,17 @@
               <a:buChar char="•"/>
             </a:pPr>
             <a:r>
-              <a:rPr lang="en-US" sz="2400" dirty="0">
+              <a:rPr lang="en-US" sz="2400" dirty="0" smtClean="0">
                 <a:latin typeface="Tenorite"/>
                 <a:ea typeface="+mn-lt"/>
                 <a:cs typeface="Times New Roman"/>
               </a:rPr>
-              <a:t>Increase Engagement.</a:t>
+              <a:t>Easier to add additional services.</a:t>
             </a:r>
             <a:endParaRPr lang="en-US" sz="2400" dirty="0">
               <a:latin typeface="Tenorite"/>
               <a:ea typeface="+mn-lt"/>
-              <a:cs typeface="+mn-lt"/>
+              <a:cs typeface="Times New Roman"/>
             </a:endParaRPr>
           </a:p>
           <a:p>
@@ -15872,13 +16266,129 @@
               <a:buChar char="•"/>
             </a:pPr>
             <a:r>
-              <a:rPr lang="en-US" sz="2400" dirty="0">
+              <a:rPr lang="en-US" sz="2400" dirty="0" smtClean="0">
                 <a:latin typeface="Tenorite"/>
                 <a:ea typeface="+mn-lt"/>
                 <a:cs typeface="Times New Roman"/>
               </a:rPr>
-              <a:t>Improve Data Collection.</a:t>
-            </a:r>
+              <a:t>Easier to organize and reorganize.</a:t>
+            </a:r>
+            <a:endParaRPr lang="en-US" sz="2400" dirty="0">
+              <a:latin typeface="Tenorite"/>
+              <a:ea typeface="+mn-lt"/>
+              <a:cs typeface="+mn-lt"/>
+            </a:endParaRPr>
+          </a:p>
+          <a:p>
+            <a:pPr marL="285750" indent="-285750">
+              <a:lnSpc>
+                <a:spcPct val="120000"/>
+              </a:lnSpc>
+              <a:spcBef>
+                <a:spcPts val="1000"/>
+              </a:spcBef>
+              <a:buFont typeface="Arial"/>
+              <a:buChar char="•"/>
+            </a:pPr>
+            <a:r>
+              <a:rPr lang="en-US" sz="2400" dirty="0" smtClean="0">
+                <a:latin typeface="Tenorite"/>
+                <a:ea typeface="+mn-lt"/>
+                <a:cs typeface="Times New Roman"/>
+              </a:rPr>
+              <a:t>Allow readers to Access Materials on demand.</a:t>
+            </a:r>
+          </a:p>
+          <a:p>
+            <a:pPr marL="285750" indent="-285750">
+              <a:lnSpc>
+                <a:spcPct val="120000"/>
+              </a:lnSpc>
+              <a:spcBef>
+                <a:spcPts val="1000"/>
+              </a:spcBef>
+              <a:buFont typeface="Arial"/>
+              <a:buChar char="•"/>
+            </a:pPr>
+            <a:r>
+              <a:rPr lang="en-US" sz="2400" dirty="0" smtClean="0">
+                <a:latin typeface="Tenorite"/>
+                <a:ea typeface="+mn-lt"/>
+                <a:cs typeface="Times New Roman"/>
+              </a:rPr>
+              <a:t>No opening and closing hours.</a:t>
+            </a:r>
+          </a:p>
+          <a:p>
+            <a:pPr marL="285750" indent="-285750">
+              <a:lnSpc>
+                <a:spcPct val="120000"/>
+              </a:lnSpc>
+              <a:spcBef>
+                <a:spcPts val="1000"/>
+              </a:spcBef>
+              <a:buFont typeface="Arial"/>
+              <a:buChar char="•"/>
+            </a:pPr>
+            <a:r>
+              <a:rPr lang="en-US" sz="2400" dirty="0" smtClean="0">
+                <a:latin typeface="Tenorite"/>
+                <a:ea typeface="+mn-lt"/>
+                <a:cs typeface="Times New Roman"/>
+              </a:rPr>
+              <a:t>Cost effective and sustainable.</a:t>
+            </a:r>
+          </a:p>
+          <a:p>
+            <a:pPr marL="285750" indent="-285750">
+              <a:lnSpc>
+                <a:spcPct val="120000"/>
+              </a:lnSpc>
+              <a:spcBef>
+                <a:spcPts val="1000"/>
+              </a:spcBef>
+              <a:buFont typeface="Arial"/>
+              <a:buChar char="•"/>
+            </a:pPr>
+            <a:endParaRPr lang="en-US" sz="2400" dirty="0" smtClean="0">
+              <a:latin typeface="Tenorite"/>
+              <a:ea typeface="+mn-lt"/>
+              <a:cs typeface="Times New Roman"/>
+            </a:endParaRPr>
+          </a:p>
+          <a:p>
+            <a:pPr marL="285750" indent="-285750">
+              <a:lnSpc>
+                <a:spcPct val="120000"/>
+              </a:lnSpc>
+              <a:spcBef>
+                <a:spcPts val="1000"/>
+              </a:spcBef>
+              <a:buFont typeface="Arial"/>
+              <a:buChar char="•"/>
+            </a:pPr>
+            <a:endParaRPr lang="en-US" sz="2400" dirty="0" smtClean="0">
+              <a:latin typeface="Tenorite"/>
+              <a:ea typeface="+mn-lt"/>
+              <a:cs typeface="Times New Roman"/>
+            </a:endParaRPr>
+          </a:p>
+          <a:p>
+            <a:pPr marL="285750" indent="-285750">
+              <a:lnSpc>
+                <a:spcPct val="120000"/>
+              </a:lnSpc>
+              <a:spcBef>
+                <a:spcPts val="1000"/>
+              </a:spcBef>
+              <a:buFont typeface="Arial"/>
+              <a:buChar char="•"/>
+            </a:pPr>
+            <a:endParaRPr lang="en-US" sz="2400" dirty="0">
+              <a:latin typeface="Tenorite"/>
+              <a:ea typeface="+mn-lt"/>
+              <a:cs typeface="Times New Roman"/>
+            </a:endParaRPr>
           </a:p>
           <a:p>
             <a:pPr marL="285750" indent="-285750">
